--- a/week2_3/week_03_Control Flow-if Statement.pptx
+++ b/week2_3/week_03_Control Flow-if Statement.pptx
@@ -337,7 +337,7 @@
             <a:pPr rtl="0"/>
             <a:fld id="{82AE8BF5-CB93-44E5-9404-15AF760C38FD}" type="datetime1">
               <a:rPr lang="ko-KR" altLang="en-US" smtClean="0"/>
-              <a:t>2024-03-21</a:t>
+              <a:t>2024-03-22</a:t>
             </a:fld>
             <a:endParaRPr lang="en-US"/>
           </a:p>
@@ -507,7 +507,7 @@
             <a:pPr rtl="0"/>
             <a:fld id="{1420DF4F-28CD-42CA-8484-F6571F4C08CC}" type="datetime1">
               <a:rPr lang="ko-KR" altLang="en-US" smtClean="0"/>
-              <a:t>2024-03-21</a:t>
+              <a:t>2024-03-22</a:t>
             </a:fld>
             <a:endParaRPr lang="en-US"/>
           </a:p>
@@ -1651,7 +1651,7 @@
           <a:p>
             <a:fld id="{28A3BAFB-7A40-4072-A7FD-FB0EDC55F13F}" type="datetime1">
               <a:rPr lang="ko-KR" altLang="en-US" smtClean="0"/>
-              <a:t>2024-03-21</a:t>
+              <a:t>2024-03-22</a:t>
             </a:fld>
             <a:endParaRPr lang="en-US" dirty="0"/>
           </a:p>
@@ -2028,7 +2028,7 @@
           <a:p>
             <a:fld id="{F12F07B2-E074-4649-9142-6F1D9AE0DBBB}" type="datetime1">
               <a:rPr lang="ko-KR" altLang="en-US" smtClean="0"/>
-              <a:t>2024-03-21</a:t>
+              <a:t>2024-03-22</a:t>
             </a:fld>
             <a:endParaRPr lang="en-US" dirty="0"/>
           </a:p>
@@ -2251,7 +2251,7 @@
           <a:p>
             <a:fld id="{1B93F205-BE1D-41B6-903E-38A12CD6A70F}" type="datetime1">
               <a:rPr lang="ko-KR" altLang="en-US" smtClean="0"/>
-              <a:t>2024-03-21</a:t>
+              <a:t>2024-03-22</a:t>
             </a:fld>
             <a:endParaRPr lang="en-US" dirty="0"/>
           </a:p>
@@ -2546,7 +2546,7 @@
           <a:p>
             <a:fld id="{88763DE7-7630-4C1C-B39F-731F1889F7F8}" type="datetime1">
               <a:rPr lang="ko-KR" altLang="en-US" smtClean="0"/>
-              <a:t>2024-03-21</a:t>
+              <a:t>2024-03-22</a:t>
             </a:fld>
             <a:endParaRPr lang="en-US" dirty="0"/>
           </a:p>
@@ -3015,7 +3015,7 @@
           <a:p>
             <a:fld id="{4E29F7F6-2AF8-4123-80EB-C26BF25051CC}" type="datetime1">
               <a:rPr lang="ko-KR" altLang="en-US" smtClean="0"/>
-              <a:t>2024-03-21</a:t>
+              <a:t>2024-03-22</a:t>
             </a:fld>
             <a:endParaRPr lang="en-US" dirty="0"/>
           </a:p>
@@ -3597,7 +3597,7 @@
           <a:p>
             <a:fld id="{2000F91A-87BC-4A65-9DD7-026C4653A996}" type="datetime1">
               <a:rPr lang="ko-KR" altLang="en-US" smtClean="0"/>
-              <a:t>2024-03-21</a:t>
+              <a:t>2024-03-22</a:t>
             </a:fld>
             <a:endParaRPr lang="en-US" dirty="0"/>
           </a:p>
@@ -4536,7 +4536,7 @@
           <a:p>
             <a:fld id="{60EBF092-97E8-48BF-A63A-FD32F38B1B9F}" type="datetime1">
               <a:rPr lang="ko-KR" altLang="en-US" smtClean="0"/>
-              <a:t>2024-03-21</a:t>
+              <a:t>2024-03-22</a:t>
             </a:fld>
             <a:endParaRPr lang="en-US" dirty="0"/>
           </a:p>
@@ -4767,7 +4767,7 @@
           <a:p>
             <a:fld id="{FA74C2CD-135C-429A-BF2F-8941132EB275}" type="datetime1">
               <a:rPr lang="ko-KR" altLang="en-US" smtClean="0"/>
-              <a:t>2024-03-21</a:t>
+              <a:t>2024-03-22</a:t>
             </a:fld>
             <a:endParaRPr lang="en-US" dirty="0"/>
           </a:p>
@@ -5008,7 +5008,7 @@
           <a:p>
             <a:fld id="{409A2853-D5CB-4085-8B68-FA9665D9382A}" type="datetime1">
               <a:rPr lang="ko-KR" altLang="en-US" smtClean="0"/>
-              <a:t>2024-03-21</a:t>
+              <a:t>2024-03-22</a:t>
             </a:fld>
             <a:endParaRPr lang="en-US" dirty="0"/>
           </a:p>
@@ -5292,7 +5292,7 @@
           <a:p>
             <a:fld id="{28A3BAFB-7A40-4072-A7FD-FB0EDC55F13F}" type="datetime1">
               <a:rPr lang="ko-KR" altLang="en-US" smtClean="0"/>
-              <a:t>2024-03-21</a:t>
+              <a:t>2024-03-22</a:t>
             </a:fld>
             <a:endParaRPr lang="en-US" dirty="0"/>
           </a:p>
@@ -5627,7 +5627,7 @@
           <a:p>
             <a:fld id="{28A3BAFB-7A40-4072-A7FD-FB0EDC55F13F}" type="datetime1">
               <a:rPr lang="ko-KR" altLang="en-US" smtClean="0"/>
-              <a:t>2024-03-21</a:t>
+              <a:t>2024-03-22</a:t>
             </a:fld>
             <a:endParaRPr lang="en-US" dirty="0"/>
           </a:p>
@@ -6023,7 +6023,7 @@
           <a:p>
             <a:fld id="{28A3BAFB-7A40-4072-A7FD-FB0EDC55F13F}" type="datetime1">
               <a:rPr lang="ko-KR" altLang="en-US" smtClean="0"/>
-              <a:t>2024-03-21</a:t>
+              <a:t>2024-03-22</a:t>
             </a:fld>
             <a:endParaRPr lang="en-US" dirty="0"/>
           </a:p>
@@ -6631,7 +6631,7 @@
           <a:p>
             <a:fld id="{28A3BAFB-7A40-4072-A7FD-FB0EDC55F13F}" type="datetime1">
               <a:rPr lang="ko-KR" altLang="en-US" smtClean="0"/>
-              <a:t>2024-03-21</a:t>
+              <a:t>2024-03-22</a:t>
             </a:fld>
             <a:endParaRPr lang="en-US" dirty="0"/>
           </a:p>
@@ -6842,7 +6842,7 @@
           <a:p>
             <a:fld id="{28A3BAFB-7A40-4072-A7FD-FB0EDC55F13F}" type="datetime1">
               <a:rPr lang="ko-KR" altLang="en-US" smtClean="0"/>
-              <a:t>2024-03-21</a:t>
+              <a:t>2024-03-22</a:t>
             </a:fld>
             <a:endParaRPr lang="en-US" dirty="0"/>
           </a:p>
@@ -7022,7 +7022,7 @@
           <a:p>
             <a:fld id="{28A3BAFB-7A40-4072-A7FD-FB0EDC55F13F}" type="datetime1">
               <a:rPr lang="ko-KR" altLang="en-US" smtClean="0"/>
-              <a:t>2024-03-21</a:t>
+              <a:t>2024-03-22</a:t>
             </a:fld>
             <a:endParaRPr lang="en-US" dirty="0"/>
           </a:p>
@@ -7359,7 +7359,7 @@
           <a:p>
             <a:fld id="{43748954-E065-4054-8C66-392B4F063747}" type="datetime1">
               <a:rPr lang="ko-KR" altLang="en-US" smtClean="0"/>
-              <a:t>2024-03-21</a:t>
+              <a:t>2024-03-22</a:t>
             </a:fld>
             <a:endParaRPr lang="en-US" dirty="0"/>
           </a:p>
@@ -7698,7 +7698,7 @@
           <a:p>
             <a:fld id="{5A58C4A3-D82D-41C7-A18D-6414DD58B953}" type="datetime1">
               <a:rPr lang="ko-KR" altLang="en-US" smtClean="0"/>
-              <a:t>2024-03-21</a:t>
+              <a:t>2024-03-22</a:t>
             </a:fld>
             <a:endParaRPr lang="en-US" dirty="0"/>
           </a:p>
@@ -7950,7 +7950,7 @@
           <a:p>
             <a:fld id="{D41097D8-A3FF-4F04-9CFF-0B8EA7C26038}" type="datetime1">
               <a:rPr lang="ko-KR" altLang="en-US" smtClean="0"/>
-              <a:t>2024-03-21</a:t>
+              <a:t>2024-03-22</a:t>
             </a:fld>
             <a:endParaRPr lang="en-US" dirty="0"/>
           </a:p>
@@ -26715,12 +26715,18 @@
             </a:r>
           </a:p>
           <a:p>
+            <a:endParaRPr lang="en-US" altLang="ko-KR" sz="2000" dirty="0"/>
+          </a:p>
+          <a:p>
             <a:r>
               <a:rPr lang="en-US" altLang="ko-KR" sz="2000" dirty="0"/>
               <a:t>What if you wanted to change the flow of how it works?</a:t>
             </a:r>
           </a:p>
           <a:p>
+            <a:endParaRPr lang="en-US" altLang="ko-KR" sz="2000" dirty="0"/>
+          </a:p>
+          <a:p>
             <a:r>
               <a:rPr lang="en-US" altLang="ko-KR" sz="2000" dirty="0"/>
               <a:t>For example, you want the program to take some decisions and do different things depending on different situations, such as printing 'Good Morning' or 'Good Evening' depending on the time of the day?</a:t>
@@ -26732,6 +26738,9 @@
               <a:rPr lang="en-US" altLang="ko-KR" sz="2000" dirty="0"/>
               <a:t>This is achieved using control flow statements.</a:t>
             </a:r>
+          </a:p>
+          <a:p>
+            <a:endParaRPr lang="en-US" altLang="ko-KR" sz="2000" dirty="0"/>
           </a:p>
           <a:p>
             <a:r>
@@ -29517,6 +29526,10 @@
             </a:r>
           </a:p>
           <a:p>
+            <a:pPr lvl="1"/>
+            <a:endParaRPr lang="en-US" altLang="ko-KR" dirty="0"/>
+          </a:p>
+          <a:p>
             <a:r>
               <a:rPr lang="en-US" altLang="ko-KR" dirty="0"/>
               <a:t>Division</a:t>
@@ -29528,6 +29541,10 @@
               <a:rPr lang="en-US" altLang="ko-KR" b="1" i="1" dirty="0"/>
               <a:t>if</a:t>
             </a:r>
+          </a:p>
+          <a:p>
+            <a:pPr lvl="1"/>
+            <a:endParaRPr lang="en-US" altLang="ko-KR" b="1" i="1" dirty="0"/>
           </a:p>
           <a:p>
             <a:r>
@@ -30643,8 +30660,8 @@
           </a:p>
         </p:txBody>
       </p:sp>
-      <mc:AlternateContent xmlns:mc="http://schemas.openxmlformats.org/markup-compatibility/2006">
-        <mc:Choice xmlns:a14="http://schemas.microsoft.com/office/drawing/2010/main" Requires="a14">
+      <mc:AlternateContent xmlns:mc="http://schemas.openxmlformats.org/markup-compatibility/2006" xmlns:a14="http://schemas.microsoft.com/office/drawing/2010/main">
+        <mc:Choice Requires="a14">
           <p:sp>
             <p:nvSpPr>
               <p:cNvPr id="6" name="내용 개체 틀 5"/>
@@ -31082,7 +31099,7 @@
             </p:txBody>
           </p:sp>
         </mc:Choice>
-        <mc:Fallback>
+        <mc:Fallback xmlns="">
           <p:sp>
             <p:nvSpPr>
               <p:cNvPr id="6" name="내용 개체 틀 5"/>
@@ -33783,6 +33800,10 @@
           </a:p>
           <a:p>
             <a:pPr lvl="1"/>
+            <a:endParaRPr lang="en-US" altLang="ko-KR" dirty="0"/>
+          </a:p>
+          <a:p>
+            <a:pPr lvl="1"/>
             <a:r>
               <a:rPr lang="en-US" altLang="ko-KR" dirty="0"/>
               <a:t>Or, do something else</a:t>
@@ -33815,6 +33836,36 @@
           </a:p>
         </p:txBody>
       </p:sp>
+      <p:pic>
+        <p:nvPicPr>
+          <p:cNvPr id="5" name="그림 4">
+            <a:extLst>
+              <a:ext uri="{FF2B5EF4-FFF2-40B4-BE49-F238E27FC236}">
+                <a16:creationId xmlns:a16="http://schemas.microsoft.com/office/drawing/2014/main" id="{FB344454-4B8D-0666-40F6-E5562931D600}"/>
+              </a:ext>
+            </a:extLst>
+          </p:cNvPr>
+          <p:cNvPicPr>
+            <a:picLocks noChangeAspect="1"/>
+          </p:cNvPicPr>
+          <p:nvPr/>
+        </p:nvPicPr>
+        <p:blipFill>
+          <a:blip r:embed="rId2"/>
+          <a:stretch>
+            <a:fillRect/>
+          </a:stretch>
+        </p:blipFill>
+        <p:spPr>
+          <a:xfrm>
+            <a:off x="5992994" y="1225907"/>
+            <a:ext cx="3303406" cy="4565292"/>
+          </a:xfrm>
+          <a:prstGeom prst="rect">
+            <a:avLst/>
+          </a:prstGeom>
+        </p:spPr>
+      </p:pic>
     </p:spTree>
     <p:extLst>
       <p:ext uri="{BB962C8B-B14F-4D97-AF65-F5344CB8AC3E}">
